--- a/Documentation/4 - Suivi projet/Point_Equipe_2015-07-16.pptx
+++ b/Documentation/4 - Suivi projet/Point_Equipe_2015-07-16.pptx
@@ -5,7 +5,7 @@
     <p:sldMasterId id="2147483660" r:id="rId1"/>
   </p:sldMasterIdLst>
   <p:notesMasterIdLst>
-    <p:notesMasterId r:id="rId11"/>
+    <p:notesMasterId r:id="rId12"/>
   </p:notesMasterIdLst>
   <p:sldIdLst>
     <p:sldId id="301" r:id="rId2"/>
@@ -16,7 +16,8 @@
     <p:sldId id="376" r:id="rId7"/>
     <p:sldId id="374" r:id="rId8"/>
     <p:sldId id="377" r:id="rId9"/>
-    <p:sldId id="361" r:id="rId10"/>
+    <p:sldId id="378" r:id="rId10"/>
+    <p:sldId id="361" r:id="rId11"/>
   </p:sldIdLst>
   <p:sldSz cx="9144000" cy="6858000" type="screen4x3"/>
   <p:notesSz cx="6797675" cy="9926638"/>
@@ -117,7 +118,7 @@
   </p:defaultTextStyle>
   <p:extLst>
     <p:ext uri="{EFAFB233-063F-42B5-8137-9DF3F51BA10A}">
-      <p15:sldGuideLst xmlns:p15="http://schemas.microsoft.com/office/powerpoint/2012/main" xmlns="">
+      <p15:sldGuideLst xmlns:p15="http://schemas.microsoft.com/office/powerpoint/2012/main">
         <p15:guide id="1" orient="horz" pos="2160">
           <p15:clr>
             <a:srgbClr val="A4A3A4"/>
@@ -386,7 +387,7 @@
     </p:spTree>
     <p:extLst>
       <p:ext uri="{BB962C8B-B14F-4D97-AF65-F5344CB8AC3E}">
-        <p14:creationId xmlns:p14="http://schemas.microsoft.com/office/powerpoint/2010/main" xmlns="" val="644369615"/>
+        <p14:creationId xmlns:p14="http://schemas.microsoft.com/office/powerpoint/2010/main" val="644369615"/>
       </p:ext>
     </p:extLst>
   </p:cSld>
@@ -561,7 +562,92 @@
     </p:spTree>
     <p:extLst>
       <p:ext uri="{BB962C8B-B14F-4D97-AF65-F5344CB8AC3E}">
-        <p14:creationId xmlns:p14="http://schemas.microsoft.com/office/powerpoint/2010/main" xmlns="" val="447969412"/>
+        <p14:creationId xmlns:p14="http://schemas.microsoft.com/office/powerpoint/2010/main" val="447969412"/>
+      </p:ext>
+    </p:extLst>
+  </p:cSld>
+  <p:clrMapOvr>
+    <a:masterClrMapping/>
+  </p:clrMapOvr>
+</p:notes>
+</file>
+
+<file path=ppt/notesSlides/notesSlide10.xml><?xml version="1.0" encoding="utf-8"?>
+<p:notes xmlns:a="http://schemas.openxmlformats.org/drawingml/2006/main" xmlns:r="http://schemas.openxmlformats.org/officeDocument/2006/relationships" xmlns:p="http://schemas.openxmlformats.org/presentationml/2006/main">
+  <p:cSld>
+    <p:spTree>
+      <p:nvGrpSpPr>
+        <p:cNvPr id="1" name=""/>
+        <p:cNvGrpSpPr/>
+        <p:nvPr/>
+      </p:nvGrpSpPr>
+      <p:grpSpPr>
+        <a:xfrm>
+          <a:off x="0" y="0"/>
+          <a:ext cx="0" cy="0"/>
+          <a:chOff x="0" y="0"/>
+          <a:chExt cx="0" cy="0"/>
+        </a:xfrm>
+      </p:grpSpPr>
+      <p:sp>
+        <p:nvSpPr>
+          <p:cNvPr id="2" name="Espace réservé de l'image des diapositives 1"/>
+          <p:cNvSpPr>
+            <a:spLocks noGrp="1" noRot="1" noChangeAspect="1"/>
+          </p:cNvSpPr>
+          <p:nvPr>
+            <p:ph type="sldImg"/>
+          </p:nvPr>
+        </p:nvSpPr>
+        <p:spPr/>
+      </p:sp>
+      <p:sp>
+        <p:nvSpPr>
+          <p:cNvPr id="3" name="Espace réservé des commentaires 2"/>
+          <p:cNvSpPr>
+            <a:spLocks noGrp="1"/>
+          </p:cNvSpPr>
+          <p:nvPr>
+            <p:ph type="body" idx="1"/>
+          </p:nvPr>
+        </p:nvSpPr>
+        <p:spPr/>
+        <p:txBody>
+          <a:bodyPr/>
+          <a:lstStyle/>
+          <a:p>
+            <a:endParaRPr lang="fr-FR"/>
+          </a:p>
+        </p:txBody>
+      </p:sp>
+      <p:sp>
+        <p:nvSpPr>
+          <p:cNvPr id="4" name="Espace réservé du numéro de diapositive 3"/>
+          <p:cNvSpPr>
+            <a:spLocks noGrp="1"/>
+          </p:cNvSpPr>
+          <p:nvPr>
+            <p:ph type="sldNum" sz="quarter" idx="10"/>
+          </p:nvPr>
+        </p:nvSpPr>
+        <p:spPr/>
+        <p:txBody>
+          <a:bodyPr/>
+          <a:lstStyle/>
+          <a:p>
+            <a:fld id="{0C080E5F-76A7-426C-8874-1B043B738D2C}" type="slidenum">
+              <a:rPr lang="fr-FR" smtClean="0"/>
+              <a:pPr/>
+              <a:t>10</a:t>
+            </a:fld>
+            <a:endParaRPr lang="fr-FR"/>
+          </a:p>
+        </p:txBody>
+      </p:sp>
+    </p:spTree>
+    <p:extLst>
+      <p:ext uri="{BB962C8B-B14F-4D97-AF65-F5344CB8AC3E}">
+        <p14:creationId xmlns:p14="http://schemas.microsoft.com/office/powerpoint/2010/main" val="447969412"/>
       </p:ext>
     </p:extLst>
   </p:cSld>
@@ -646,7 +732,7 @@
     </p:spTree>
     <p:extLst>
       <p:ext uri="{BB962C8B-B14F-4D97-AF65-F5344CB8AC3E}">
-        <p14:creationId xmlns:p14="http://schemas.microsoft.com/office/powerpoint/2010/main" xmlns="" val="447969412"/>
+        <p14:creationId xmlns:p14="http://schemas.microsoft.com/office/powerpoint/2010/main" val="447969412"/>
       </p:ext>
     </p:extLst>
   </p:cSld>
@@ -731,7 +817,7 @@
     </p:spTree>
     <p:extLst>
       <p:ext uri="{BB962C8B-B14F-4D97-AF65-F5344CB8AC3E}">
-        <p14:creationId xmlns:p14="http://schemas.microsoft.com/office/powerpoint/2010/main" xmlns="" val="447969412"/>
+        <p14:creationId xmlns:p14="http://schemas.microsoft.com/office/powerpoint/2010/main" val="447969412"/>
       </p:ext>
     </p:extLst>
   </p:cSld>
@@ -816,7 +902,7 @@
     </p:spTree>
     <p:extLst>
       <p:ext uri="{BB962C8B-B14F-4D97-AF65-F5344CB8AC3E}">
-        <p14:creationId xmlns:p14="http://schemas.microsoft.com/office/powerpoint/2010/main" xmlns="" val="447969412"/>
+        <p14:creationId xmlns:p14="http://schemas.microsoft.com/office/powerpoint/2010/main" val="447969412"/>
       </p:ext>
     </p:extLst>
   </p:cSld>
@@ -901,7 +987,7 @@
     </p:spTree>
     <p:extLst>
       <p:ext uri="{BB962C8B-B14F-4D97-AF65-F5344CB8AC3E}">
-        <p14:creationId xmlns:p14="http://schemas.microsoft.com/office/powerpoint/2010/main" xmlns="" val="447969412"/>
+        <p14:creationId xmlns:p14="http://schemas.microsoft.com/office/powerpoint/2010/main" val="447969412"/>
       </p:ext>
     </p:extLst>
   </p:cSld>
@@ -986,7 +1072,7 @@
     </p:spTree>
     <p:extLst>
       <p:ext uri="{BB962C8B-B14F-4D97-AF65-F5344CB8AC3E}">
-        <p14:creationId xmlns:p14="http://schemas.microsoft.com/office/powerpoint/2010/main" xmlns="" val="447969412"/>
+        <p14:creationId xmlns:p14="http://schemas.microsoft.com/office/powerpoint/2010/main" val="447969412"/>
       </p:ext>
     </p:extLst>
   </p:cSld>
@@ -1071,7 +1157,7 @@
     </p:spTree>
     <p:extLst>
       <p:ext uri="{BB962C8B-B14F-4D97-AF65-F5344CB8AC3E}">
-        <p14:creationId xmlns:p14="http://schemas.microsoft.com/office/powerpoint/2010/main" xmlns="" val="447969412"/>
+        <p14:creationId xmlns:p14="http://schemas.microsoft.com/office/powerpoint/2010/main" val="447969412"/>
       </p:ext>
     </p:extLst>
   </p:cSld>
@@ -1156,7 +1242,7 @@
     </p:spTree>
     <p:extLst>
       <p:ext uri="{BB962C8B-B14F-4D97-AF65-F5344CB8AC3E}">
-        <p14:creationId xmlns:p14="http://schemas.microsoft.com/office/powerpoint/2010/main" xmlns="" val="447969412"/>
+        <p14:creationId xmlns:p14="http://schemas.microsoft.com/office/powerpoint/2010/main" val="447969412"/>
       </p:ext>
     </p:extLst>
   </p:cSld>
@@ -1241,7 +1327,7 @@
     </p:spTree>
     <p:extLst>
       <p:ext uri="{BB962C8B-B14F-4D97-AF65-F5344CB8AC3E}">
-        <p14:creationId xmlns:p14="http://schemas.microsoft.com/office/powerpoint/2010/main" xmlns="" val="447969412"/>
+        <p14:creationId xmlns:p14="http://schemas.microsoft.com/office/powerpoint/2010/main" val="3203588683"/>
       </p:ext>
     </p:extLst>
   </p:cSld>
@@ -1280,7 +1366,7 @@
           <a:blip r:embed="rId2" cstate="email">
             <a:extLst>
               <a:ext uri="{28A0092B-C50C-407E-A947-70E740481C1C}">
-                <a14:useLocalDpi xmlns:a14="http://schemas.microsoft.com/office/drawing/2010/main" xmlns="" val="0"/>
+                <a14:useLocalDpi xmlns:a14="http://schemas.microsoft.com/office/drawing/2010/main" val="0"/>
               </a:ext>
             </a:extLst>
           </a:blip>
@@ -1303,14 +1389,14 @@
           </a:ln>
           <a:extLst>
             <a:ext uri="{909E8E84-426E-40DD-AFC4-6F175D3DCCD1}">
-              <a14:hiddenFill xmlns:a14="http://schemas.microsoft.com/office/drawing/2010/main" xmlns="">
+              <a14:hiddenFill xmlns:a14="http://schemas.microsoft.com/office/drawing/2010/main">
                 <a:solidFill>
                   <a:schemeClr val="accent1"/>
                 </a:solidFill>
               </a14:hiddenFill>
             </a:ext>
             <a:ext uri="{91240B29-F687-4F45-9708-019B960494DF}">
-              <a14:hiddenLine xmlns:a14="http://schemas.microsoft.com/office/drawing/2010/main" xmlns="" w="9525">
+              <a14:hiddenLine xmlns:a14="http://schemas.microsoft.com/office/drawing/2010/main" w="9525">
                 <a:solidFill>
                   <a:schemeClr val="tx1"/>
                 </a:solidFill>
@@ -1593,7 +1679,7 @@
     </p:spTree>
     <p:extLst>
       <p:ext uri="{BB962C8B-B14F-4D97-AF65-F5344CB8AC3E}">
-        <p14:creationId xmlns:p14="http://schemas.microsoft.com/office/powerpoint/2010/main" xmlns="" val="2439187425"/>
+        <p14:creationId xmlns:p14="http://schemas.microsoft.com/office/powerpoint/2010/main" val="2439187425"/>
       </p:ext>
     </p:extLst>
   </p:cSld>
@@ -1772,7 +1858,7 @@
     </p:spTree>
     <p:extLst>
       <p:ext uri="{BB962C8B-B14F-4D97-AF65-F5344CB8AC3E}">
-        <p14:creationId xmlns:p14="http://schemas.microsoft.com/office/powerpoint/2010/main" xmlns="" val="2277311567"/>
+        <p14:creationId xmlns:p14="http://schemas.microsoft.com/office/powerpoint/2010/main" val="2277311567"/>
       </p:ext>
     </p:extLst>
   </p:cSld>
@@ -1954,7 +2040,7 @@
     </p:spTree>
     <p:extLst>
       <p:ext uri="{BB962C8B-B14F-4D97-AF65-F5344CB8AC3E}">
-        <p14:creationId xmlns:p14="http://schemas.microsoft.com/office/powerpoint/2010/main" xmlns="" val="1382734851"/>
+        <p14:creationId xmlns:p14="http://schemas.microsoft.com/office/powerpoint/2010/main" val="1382734851"/>
       </p:ext>
     </p:extLst>
   </p:cSld>
@@ -2126,7 +2212,7 @@
     </p:spTree>
     <p:extLst>
       <p:ext uri="{BB962C8B-B14F-4D97-AF65-F5344CB8AC3E}">
-        <p14:creationId xmlns:p14="http://schemas.microsoft.com/office/powerpoint/2010/main" xmlns="" val="1730161274"/>
+        <p14:creationId xmlns:p14="http://schemas.microsoft.com/office/powerpoint/2010/main" val="1730161274"/>
       </p:ext>
     </p:extLst>
   </p:cSld>
@@ -2374,7 +2460,7 @@
     </p:spTree>
     <p:extLst>
       <p:ext uri="{BB962C8B-B14F-4D97-AF65-F5344CB8AC3E}">
-        <p14:creationId xmlns:p14="http://schemas.microsoft.com/office/powerpoint/2010/main" xmlns="" val="3623823994"/>
+        <p14:creationId xmlns:p14="http://schemas.microsoft.com/office/powerpoint/2010/main" val="3623823994"/>
       </p:ext>
     </p:extLst>
   </p:cSld>
@@ -2664,7 +2750,7 @@
     </p:spTree>
     <p:extLst>
       <p:ext uri="{BB962C8B-B14F-4D97-AF65-F5344CB8AC3E}">
-        <p14:creationId xmlns:p14="http://schemas.microsoft.com/office/powerpoint/2010/main" xmlns="" val="2477640779"/>
+        <p14:creationId xmlns:p14="http://schemas.microsoft.com/office/powerpoint/2010/main" val="2477640779"/>
       </p:ext>
     </p:extLst>
   </p:cSld>
@@ -3088,7 +3174,7 @@
     </p:spTree>
     <p:extLst>
       <p:ext uri="{BB962C8B-B14F-4D97-AF65-F5344CB8AC3E}">
-        <p14:creationId xmlns:p14="http://schemas.microsoft.com/office/powerpoint/2010/main" xmlns="" val="839060086"/>
+        <p14:creationId xmlns:p14="http://schemas.microsoft.com/office/powerpoint/2010/main" val="839060086"/>
       </p:ext>
     </p:extLst>
   </p:cSld>
@@ -3208,7 +3294,7 @@
     </p:spTree>
     <p:extLst>
       <p:ext uri="{BB962C8B-B14F-4D97-AF65-F5344CB8AC3E}">
-        <p14:creationId xmlns:p14="http://schemas.microsoft.com/office/powerpoint/2010/main" xmlns="" val="2000422401"/>
+        <p14:creationId xmlns:p14="http://schemas.microsoft.com/office/powerpoint/2010/main" val="2000422401"/>
       </p:ext>
     </p:extLst>
   </p:cSld>
@@ -3305,7 +3391,7 @@
     </p:spTree>
     <p:extLst>
       <p:ext uri="{BB962C8B-B14F-4D97-AF65-F5344CB8AC3E}">
-        <p14:creationId xmlns:p14="http://schemas.microsoft.com/office/powerpoint/2010/main" xmlns="" val="1625092074"/>
+        <p14:creationId xmlns:p14="http://schemas.microsoft.com/office/powerpoint/2010/main" val="1625092074"/>
       </p:ext>
     </p:extLst>
   </p:cSld>
@@ -3584,7 +3670,7 @@
     </p:spTree>
     <p:extLst>
       <p:ext uri="{BB962C8B-B14F-4D97-AF65-F5344CB8AC3E}">
-        <p14:creationId xmlns:p14="http://schemas.microsoft.com/office/powerpoint/2010/main" xmlns="" val="1562112021"/>
+        <p14:creationId xmlns:p14="http://schemas.microsoft.com/office/powerpoint/2010/main" val="1562112021"/>
       </p:ext>
     </p:extLst>
   </p:cSld>
@@ -3839,7 +3925,7 @@
     </p:spTree>
     <p:extLst>
       <p:ext uri="{BB962C8B-B14F-4D97-AF65-F5344CB8AC3E}">
-        <p14:creationId xmlns:p14="http://schemas.microsoft.com/office/powerpoint/2010/main" xmlns="" val="2251527463"/>
+        <p14:creationId xmlns:p14="http://schemas.microsoft.com/office/powerpoint/2010/main" val="2251527463"/>
       </p:ext>
     </p:extLst>
   </p:cSld>
@@ -4090,7 +4176,7 @@
     </p:spTree>
     <p:extLst>
       <p:ext uri="{BB962C8B-B14F-4D97-AF65-F5344CB8AC3E}">
-        <p14:creationId xmlns:p14="http://schemas.microsoft.com/office/powerpoint/2010/main" xmlns="" val="689816528"/>
+        <p14:creationId xmlns:p14="http://schemas.microsoft.com/office/powerpoint/2010/main" val="689816528"/>
       </p:ext>
     </p:extLst>
   </p:cSld>
@@ -4462,7 +4548,7 @@
           <a:blip r:embed="rId3" cstate="email">
             <a:extLst>
               <a:ext uri="{28A0092B-C50C-407E-A947-70E740481C1C}">
-                <a14:useLocalDpi xmlns:a14="http://schemas.microsoft.com/office/drawing/2010/main" xmlns="" val="0"/>
+                <a14:useLocalDpi xmlns:a14="http://schemas.microsoft.com/office/drawing/2010/main" val="0"/>
               </a:ext>
             </a:extLst>
           </a:blip>
@@ -4483,14 +4569,14 @@
           </a:ln>
           <a:extLst>
             <a:ext uri="{909E8E84-426E-40DD-AFC4-6F175D3DCCD1}">
-              <a14:hiddenFill xmlns:a14="http://schemas.microsoft.com/office/drawing/2010/main" xmlns="">
+              <a14:hiddenFill xmlns:a14="http://schemas.microsoft.com/office/drawing/2010/main">
                 <a:solidFill>
                   <a:schemeClr val="accent1"/>
                 </a:solidFill>
               </a14:hiddenFill>
             </a:ext>
             <a:ext uri="{91240B29-F687-4F45-9708-019B960494DF}">
-              <a14:hiddenLine xmlns:a14="http://schemas.microsoft.com/office/drawing/2010/main" xmlns="" w="9525">
+              <a14:hiddenLine xmlns:a14="http://schemas.microsoft.com/office/drawing/2010/main" w="9525">
                 <a:solidFill>
                   <a:schemeClr val="tx1"/>
                 </a:solidFill>
@@ -4635,7 +4721,133 @@
     </p:spTree>
     <p:extLst>
       <p:ext uri="{BB962C8B-B14F-4D97-AF65-F5344CB8AC3E}">
-        <p14:creationId xmlns:p14="http://schemas.microsoft.com/office/powerpoint/2010/main" xmlns="" val="3506473687"/>
+        <p14:creationId xmlns:p14="http://schemas.microsoft.com/office/powerpoint/2010/main" val="3506473687"/>
+      </p:ext>
+    </p:extLst>
+  </p:cSld>
+  <p:clrMapOvr>
+    <a:masterClrMapping/>
+  </p:clrMapOvr>
+  <p:timing>
+    <p:tnLst>
+      <p:par>
+        <p:cTn id="1" dur="indefinite" restart="never" nodeType="tmRoot"/>
+      </p:par>
+    </p:tnLst>
+  </p:timing>
+</p:sld>
+</file>
+
+<file path=ppt/slides/slide10.xml><?xml version="1.0" encoding="utf-8"?>
+<p:sld xmlns:a="http://schemas.openxmlformats.org/drawingml/2006/main" xmlns:r="http://schemas.openxmlformats.org/officeDocument/2006/relationships" xmlns:p="http://schemas.openxmlformats.org/presentationml/2006/main">
+  <p:cSld>
+    <p:spTree>
+      <p:nvGrpSpPr>
+        <p:cNvPr id="1" name=""/>
+        <p:cNvGrpSpPr/>
+        <p:nvPr/>
+      </p:nvGrpSpPr>
+      <p:grpSpPr>
+        <a:xfrm>
+          <a:off x="0" y="0"/>
+          <a:ext cx="0" cy="0"/>
+          <a:chOff x="0" y="0"/>
+          <a:chExt cx="0" cy="0"/>
+        </a:xfrm>
+      </p:grpSpPr>
+      <p:sp>
+        <p:nvSpPr>
+          <p:cNvPr id="4" name="ZoneTexte 3"/>
+          <p:cNvSpPr txBox="1"/>
+          <p:nvPr/>
+        </p:nvSpPr>
+        <p:spPr>
+          <a:xfrm>
+            <a:off x="683568" y="2348880"/>
+            <a:ext cx="7992888" cy="1323439"/>
+          </a:xfrm>
+          <a:prstGeom prst="rect">
+            <a:avLst/>
+          </a:prstGeom>
+        </p:spPr>
+        <p:style>
+          <a:lnRef idx="0">
+            <a:schemeClr val="accent1"/>
+          </a:lnRef>
+          <a:fillRef idx="3">
+            <a:schemeClr val="accent1"/>
+          </a:fillRef>
+          <a:effectRef idx="3">
+            <a:schemeClr val="accent1"/>
+          </a:effectRef>
+          <a:fontRef idx="minor">
+            <a:schemeClr val="lt1"/>
+          </a:fontRef>
+        </p:style>
+        <p:txBody>
+          <a:bodyPr wrap="square" rtlCol="0">
+            <a:spAutoFit/>
+          </a:bodyPr>
+          <a:lstStyle/>
+          <a:p>
+            <a:pPr algn="ctr"/>
+            <a:r>
+              <a:rPr lang="fr-FR" sz="4000" dirty="0" smtClean="0"/>
+              <a:t>Prochain Skype :</a:t>
+            </a:r>
+          </a:p>
+          <a:p>
+            <a:pPr algn="ctr"/>
+            <a:r>
+              <a:rPr lang="fr-FR" sz="4000" dirty="0" smtClean="0"/>
+              <a:t>Lundi 20/07 21H00 </a:t>
+            </a:r>
+          </a:p>
+        </p:txBody>
+      </p:sp>
+      <p:sp>
+        <p:nvSpPr>
+          <p:cNvPr id="2" name="AutoShape 4"/>
+          <p:cNvSpPr>
+            <a:spLocks noChangeAspect="1" noChangeArrowheads="1"/>
+          </p:cNvSpPr>
+          <p:nvPr/>
+        </p:nvSpPr>
+        <p:spPr bwMode="auto">
+          <a:xfrm>
+            <a:off x="63500" y="-136525"/>
+            <a:ext cx="2143125" cy="2143125"/>
+          </a:xfrm>
+          <a:prstGeom prst="rect">
+            <a:avLst/>
+          </a:prstGeom>
+          <a:noFill/>
+          <a:extLst>
+            <a:ext uri="{909E8E84-426E-40DD-AFC4-6F175D3DCCD1}">
+              <a14:hiddenFill xmlns:a14="http://schemas.microsoft.com/office/drawing/2010/main">
+                <a:solidFill>
+                  <a:srgbClr val="FFFFFF"/>
+                </a:solidFill>
+              </a14:hiddenFill>
+            </a:ext>
+          </a:extLst>
+        </p:spPr>
+        <p:txBody>
+          <a:bodyPr vert="horz" wrap="square" lIns="91440" tIns="45720" rIns="91440" bIns="45720" numCol="1" anchor="t" anchorCtr="0" compatLnSpc="1">
+            <a:prstTxWarp prst="textNoShape">
+              <a:avLst/>
+            </a:prstTxWarp>
+          </a:bodyPr>
+          <a:lstStyle/>
+          <a:p>
+            <a:endParaRPr lang="fr-FR"/>
+          </a:p>
+        </p:txBody>
+      </p:sp>
+    </p:spTree>
+    <p:extLst>
+      <p:ext uri="{BB962C8B-B14F-4D97-AF65-F5344CB8AC3E}">
+        <p14:creationId xmlns:p14="http://schemas.microsoft.com/office/powerpoint/2010/main" val="4022729328"/>
       </p:ext>
     </p:extLst>
   </p:cSld>
@@ -4723,7 +4935,7 @@
     </p:spTree>
     <p:extLst>
       <p:ext uri="{BB962C8B-B14F-4D97-AF65-F5344CB8AC3E}">
-        <p14:creationId xmlns:p14="http://schemas.microsoft.com/office/powerpoint/2010/main" xmlns="" val="3949703253"/>
+        <p14:creationId xmlns:p14="http://schemas.microsoft.com/office/powerpoint/2010/main" val="3949703253"/>
       </p:ext>
     </p:extLst>
   </p:cSld>
@@ -4926,7 +5138,7 @@
           <p:nvPr>
             <p:extLst>
               <p:ext uri="{D42A27DB-BD31-4B8C-83A1-F6EECF244321}">
-                <p14:modId xmlns:p14="http://schemas.microsoft.com/office/powerpoint/2010/main" xmlns="" val="2161259375"/>
+                <p14:modId xmlns:p14="http://schemas.microsoft.com/office/powerpoint/2010/main" val="2161259375"/>
               </p:ext>
             </p:extLst>
           </p:nvPr>
@@ -5181,7 +5393,7 @@
     </p:spTree>
     <p:extLst>
       <p:ext uri="{BB962C8B-B14F-4D97-AF65-F5344CB8AC3E}">
-        <p14:creationId xmlns:p14="http://schemas.microsoft.com/office/powerpoint/2010/main" xmlns="" val="3884696437"/>
+        <p14:creationId xmlns:p14="http://schemas.microsoft.com/office/powerpoint/2010/main" val="3884696437"/>
       </p:ext>
     </p:extLst>
   </p:cSld>
@@ -5423,7 +5635,7 @@
           <p:nvPr>
             <p:extLst>
               <p:ext uri="{D42A27DB-BD31-4B8C-83A1-F6EECF244321}">
-                <p14:modId xmlns:p14="http://schemas.microsoft.com/office/powerpoint/2010/main" xmlns="" val="2225004352"/>
+                <p14:modId xmlns:p14="http://schemas.microsoft.com/office/powerpoint/2010/main" val="2225004352"/>
               </p:ext>
             </p:extLst>
           </p:nvPr>
@@ -5714,7 +5926,7 @@
           <p:nvPr>
             <p:extLst>
               <p:ext uri="{D42A27DB-BD31-4B8C-83A1-F6EECF244321}">
-                <p14:modId xmlns:p14="http://schemas.microsoft.com/office/powerpoint/2010/main" xmlns="" val="1470394763"/>
+                <p14:modId xmlns:p14="http://schemas.microsoft.com/office/powerpoint/2010/main" val="1470394763"/>
               </p:ext>
             </p:extLst>
           </p:nvPr>
@@ -6185,7 +6397,7 @@
           <p:nvPr>
             <p:extLst>
               <p:ext uri="{D42A27DB-BD31-4B8C-83A1-F6EECF244321}">
-                <p14:modId xmlns:p14="http://schemas.microsoft.com/office/powerpoint/2010/main" xmlns="" val="1357447298"/>
+                <p14:modId xmlns:p14="http://schemas.microsoft.com/office/powerpoint/2010/main" val="1357447298"/>
               </p:ext>
             </p:extLst>
           </p:nvPr>
@@ -6656,8 +6868,8 @@
         </p:nvSpPr>
         <p:spPr>
           <a:xfrm>
-            <a:off x="5868144" y="2996952"/>
-            <a:ext cx="2952327" cy="576064"/>
+            <a:off x="5868144" y="3284984"/>
+            <a:ext cx="2952327" cy="288032"/>
           </a:xfrm>
           <a:prstGeom prst="rect">
             <a:avLst/>
@@ -6700,7 +6912,7 @@
     </p:spTree>
     <p:extLst>
       <p:ext uri="{BB962C8B-B14F-4D97-AF65-F5344CB8AC3E}">
-        <p14:creationId xmlns:p14="http://schemas.microsoft.com/office/powerpoint/2010/main" xmlns="" val="4104051211"/>
+        <p14:creationId xmlns:p14="http://schemas.microsoft.com/office/powerpoint/2010/main" val="4104051211"/>
       </p:ext>
     </p:extLst>
   </p:cSld>
@@ -6744,7 +6956,7 @@
           <a:blip r:embed="rId3" cstate="print">
             <a:extLst>
               <a:ext uri="{28A0092B-C50C-407E-A947-70E740481C1C}">
-                <a14:useLocalDpi xmlns:a14="http://schemas.microsoft.com/office/drawing/2010/main" xmlns="" val="0"/>
+                <a14:useLocalDpi xmlns:a14="http://schemas.microsoft.com/office/drawing/2010/main" val="0"/>
               </a:ext>
             </a:extLst>
           </a:blip>
@@ -6850,7 +7062,7 @@
           <p:nvPr>
             <p:extLst>
               <p:ext uri="{D42A27DB-BD31-4B8C-83A1-F6EECF244321}">
-                <p14:modId xmlns:p14="http://schemas.microsoft.com/office/powerpoint/2010/main" xmlns="" val="3441312500"/>
+                <p14:modId xmlns:p14="http://schemas.microsoft.com/office/powerpoint/2010/main" val="2042905810"/>
               </p:ext>
             </p:extLst>
           </p:nvPr>
@@ -7117,17 +7329,39 @@
                     <a:bodyPr/>
                     <a:lstStyle/>
                     <a:p>
-                      <a:pPr algn="ctr"/>
-                      <a:r>
-                        <a:rPr lang="fr-FR" dirty="0" smtClean="0"/>
-                        <a:t>?</a:t>
-                      </a:r>
-                      <a:endParaRPr lang="fr-FR" dirty="0"/>
+                      <a:pPr marL="0" marR="0" indent="0" algn="ctr" defTabSz="914400" rtl="0" eaLnBrk="1" fontAlgn="auto" latinLnBrk="0" hangingPunct="1">
+                        <a:lnSpc>
+                          <a:spcPct val="100000"/>
+                        </a:lnSpc>
+                        <a:spcBef>
+                          <a:spcPts val="0"/>
+                        </a:spcBef>
+                        <a:spcAft>
+                          <a:spcPts val="0"/>
+                        </a:spcAft>
+                        <a:buClrTx/>
+                        <a:buSzTx/>
+                        <a:buFontTx/>
+                        <a:buNone/>
+                        <a:tabLst/>
+                        <a:defRPr/>
+                      </a:pPr>
+                      <a:r>
+                        <a:rPr lang="fr-FR" sz="1800" kern="1200" dirty="0" smtClean="0">
+                          <a:solidFill>
+                            <a:schemeClr val="dk1"/>
+                          </a:solidFill>
+                          <a:latin typeface="+mn-lt"/>
+                          <a:ea typeface="+mn-ea"/>
+                          <a:cs typeface="+mn-cs"/>
+                        </a:rPr>
+                        <a:t>Y</a:t>
+                      </a:r>
                     </a:p>
                   </a:txBody>
                   <a:tcPr>
                     <a:solidFill>
-                      <a:schemeClr val="accent6"/>
+                      <a:srgbClr val="00FF00"/>
                     </a:solidFill>
                   </a:tcPr>
                 </a:tc>
@@ -7635,7 +7869,7 @@
     </p:spTree>
     <p:extLst>
       <p:ext uri="{BB962C8B-B14F-4D97-AF65-F5344CB8AC3E}">
-        <p14:creationId xmlns:p14="http://schemas.microsoft.com/office/powerpoint/2010/main" xmlns="" val="3386994408"/>
+        <p14:creationId xmlns:p14="http://schemas.microsoft.com/office/powerpoint/2010/main" val="3386994408"/>
       </p:ext>
     </p:extLst>
   </p:cSld>
@@ -7679,7 +7913,7 @@
           <a:blip r:embed="rId3" cstate="print">
             <a:extLst>
               <a:ext uri="{28A0092B-C50C-407E-A947-70E740481C1C}">
-                <a14:useLocalDpi xmlns:a14="http://schemas.microsoft.com/office/drawing/2010/main" xmlns="" val="0"/>
+                <a14:useLocalDpi xmlns:a14="http://schemas.microsoft.com/office/drawing/2010/main" val="0"/>
               </a:ext>
             </a:extLst>
           </a:blip>
@@ -7785,7 +8019,7 @@
           <p:nvPr>
             <p:extLst>
               <p:ext uri="{D42A27DB-BD31-4B8C-83A1-F6EECF244321}">
-                <p14:modId xmlns:p14="http://schemas.microsoft.com/office/powerpoint/2010/main" xmlns="" val="3441312500"/>
+                <p14:modId xmlns:p14="http://schemas.microsoft.com/office/powerpoint/2010/main" val="3441312500"/>
               </p:ext>
             </p:extLst>
           </p:nvPr>
@@ -8507,7 +8741,7 @@
     </p:spTree>
     <p:extLst>
       <p:ext uri="{BB962C8B-B14F-4D97-AF65-F5344CB8AC3E}">
-        <p14:creationId xmlns:p14="http://schemas.microsoft.com/office/powerpoint/2010/main" xmlns="" val="3386994408"/>
+        <p14:creationId xmlns:p14="http://schemas.microsoft.com/office/powerpoint/2010/main" val="3386994408"/>
       </p:ext>
     </p:extLst>
   </p:cSld>
@@ -8551,7 +8785,7 @@
           <a:blip r:embed="rId3" cstate="print">
             <a:extLst>
               <a:ext uri="{28A0092B-C50C-407E-A947-70E740481C1C}">
-                <a14:useLocalDpi xmlns:a14="http://schemas.microsoft.com/office/drawing/2010/main" xmlns="" val="0"/>
+                <a14:useLocalDpi xmlns:a14="http://schemas.microsoft.com/office/drawing/2010/main" val="0"/>
               </a:ext>
             </a:extLst>
           </a:blip>
@@ -8657,7 +8891,7 @@
         <p:spPr>
           <a:xfrm>
             <a:off x="827584" y="1628800"/>
-            <a:ext cx="7704856" cy="3631763"/>
+            <a:ext cx="7704856" cy="3877985"/>
           </a:xfrm>
           <a:prstGeom prst="rect">
             <a:avLst/>
@@ -8688,8 +8922,29 @@
           <a:p>
             <a:r>
               <a:rPr lang="fr-FR" sz="1600" dirty="0" smtClean="0"/>
-              <a:t>Comme prévu, on crée un cube sous SSAS, puis on détaille les calculs d’agrégats par script</a:t>
-            </a:r>
+              <a:t>Comme prévu, on crée un cube sous </a:t>
+            </a:r>
+            <a:r>
+              <a:rPr lang="fr-FR" sz="1600" dirty="0" smtClean="0"/>
+              <a:t>SSAS (Avec </a:t>
+            </a:r>
+            <a:r>
+              <a:rPr lang="fr-FR" sz="1600" dirty="0" err="1" smtClean="0"/>
+              <a:t>Wizard</a:t>
+            </a:r>
+            <a:r>
+              <a:rPr lang="fr-FR" sz="1600" dirty="0" smtClean="0"/>
+              <a:t>), </a:t>
+            </a:r>
+            <a:r>
+              <a:rPr lang="fr-FR" sz="1600" dirty="0" smtClean="0"/>
+              <a:t>puis on détaille les calculs d’agrégats par </a:t>
+            </a:r>
+            <a:r>
+              <a:rPr lang="fr-FR" sz="1600" dirty="0" smtClean="0"/>
+              <a:t>script (XMLA)</a:t>
+            </a:r>
+            <a:endParaRPr lang="fr-FR" sz="1600" dirty="0" smtClean="0"/>
           </a:p>
           <a:p>
             <a:pPr lvl="1"/>
@@ -8722,8 +8977,8 @@
               <a:t>   Performances optimales en cas de larges DWH et fort </a:t>
             </a:r>
             <a:r>
-              <a:rPr lang="fr-FR" dirty="0" err="1" smtClean="0"/>
-              <a:t>aggregats</a:t>
+              <a:rPr lang="fr-FR" dirty="0" smtClean="0"/>
+              <a:t>agrégats</a:t>
             </a:r>
             <a:endParaRPr lang="fr-FR" dirty="0" smtClean="0"/>
           </a:p>
@@ -8836,10 +9091,91 @@
           </a:p>
         </p:txBody>
       </p:sp>
+      <p:sp>
+        <p:nvSpPr>
+          <p:cNvPr id="11" name="ZoneTexte 10"/>
+          <p:cNvSpPr txBox="1"/>
+          <p:nvPr/>
+        </p:nvSpPr>
+        <p:spPr>
+          <a:xfrm>
+            <a:off x="5508104" y="3284984"/>
+            <a:ext cx="2952328" cy="1169551"/>
+          </a:xfrm>
+          <a:prstGeom prst="rect">
+            <a:avLst/>
+          </a:prstGeom>
+        </p:spPr>
+        <p:style>
+          <a:lnRef idx="1">
+            <a:schemeClr val="accent5"/>
+          </a:lnRef>
+          <a:fillRef idx="2">
+            <a:schemeClr val="accent5"/>
+          </a:fillRef>
+          <a:effectRef idx="1">
+            <a:schemeClr val="accent5"/>
+          </a:effectRef>
+          <a:fontRef idx="minor">
+            <a:schemeClr val="dk1"/>
+          </a:fontRef>
+        </p:style>
+        <p:txBody>
+          <a:bodyPr wrap="square" rtlCol="0">
+            <a:spAutoFit/>
+          </a:bodyPr>
+          <a:lstStyle/>
+          <a:p>
+            <a:r>
+              <a:rPr lang="fr-FR" sz="1400" b="1" dirty="0" smtClean="0"/>
+              <a:t>Création du cube </a:t>
+            </a:r>
+            <a:r>
+              <a:rPr lang="fr-FR" sz="1400" dirty="0" smtClean="0"/>
+              <a:t>: Via le </a:t>
+            </a:r>
+            <a:r>
+              <a:rPr lang="fr-FR" sz="1400" dirty="0" err="1" smtClean="0"/>
+              <a:t>Wizard</a:t>
+            </a:r>
+            <a:endParaRPr lang="fr-FR" sz="1400" dirty="0" smtClean="0"/>
+          </a:p>
+          <a:p>
+            <a:r>
+              <a:rPr lang="fr-FR" sz="1400" b="1" dirty="0" smtClean="0"/>
+              <a:t>ALTER TABLE </a:t>
+            </a:r>
+            <a:r>
+              <a:rPr lang="fr-FR" sz="1400" dirty="0" smtClean="0"/>
+              <a:t>: En XMLA</a:t>
+            </a:r>
+          </a:p>
+          <a:p>
+            <a:r>
+              <a:rPr lang="fr-FR" sz="1400" b="1" dirty="0" smtClean="0"/>
+              <a:t>Point bloquant potentiel </a:t>
+            </a:r>
+            <a:r>
+              <a:rPr lang="fr-FR" sz="1400" dirty="0" smtClean="0"/>
+              <a:t>: Java</a:t>
+            </a:r>
+          </a:p>
+          <a:p>
+            <a:endParaRPr lang="fr-FR" sz="1400" dirty="0"/>
+          </a:p>
+          <a:p>
+            <a:r>
+              <a:rPr lang="fr-FR" sz="1400" b="1" i="1" dirty="0" smtClean="0"/>
+              <a:t>Décision au point du 20/07/215 !</a:t>
+            </a:r>
+            <a:endParaRPr lang="fr-FR" sz="1400" b="1" i="1" dirty="0" smtClean="0"/>
+          </a:p>
+        </p:txBody>
+      </p:sp>
     </p:spTree>
     <p:extLst>
       <p:ext uri="{BB962C8B-B14F-4D97-AF65-F5344CB8AC3E}">
-        <p14:creationId xmlns:p14="http://schemas.microsoft.com/office/powerpoint/2010/main" xmlns="" val="3386994408"/>
+        <p14:creationId xmlns:p14="http://schemas.microsoft.com/office/powerpoint/2010/main" val="3386994408"/>
       </p:ext>
     </p:extLst>
   </p:cSld>
@@ -8883,7 +9219,7 @@
           <a:blip r:embed="rId3" cstate="print">
             <a:extLst>
               <a:ext uri="{28A0092B-C50C-407E-A947-70E740481C1C}">
-                <a14:useLocalDpi xmlns:a14="http://schemas.microsoft.com/office/drawing/2010/main" xmlns="" val="0"/>
+                <a14:useLocalDpi xmlns:a14="http://schemas.microsoft.com/office/drawing/2010/main" val="0"/>
               </a:ext>
             </a:extLst>
           </a:blip>
@@ -9105,324 +9441,10 @@
           </a:p>
         </p:txBody>
       </p:sp>
-      <p:graphicFrame>
-        <p:nvGraphicFramePr>
-          <p:cNvPr id="6" name="Tableau 5"/>
-          <p:cNvGraphicFramePr>
-            <a:graphicFrameLocks noGrp="1"/>
-          </p:cNvGraphicFramePr>
-          <p:nvPr>
-            <p:extLst>
-              <p:ext uri="{D42A27DB-BD31-4B8C-83A1-F6EECF244321}">
-                <p14:modId xmlns:p14="http://schemas.microsoft.com/office/powerpoint/2010/main" xmlns="" val="3441312500"/>
-              </p:ext>
-            </p:extLst>
-          </p:nvPr>
-        </p:nvGraphicFramePr>
-        <p:xfrm>
-          <a:off x="1331640" y="5157192"/>
-          <a:ext cx="6048672" cy="1112520"/>
-        </p:xfrm>
-        <a:graphic>
-          <a:graphicData uri="http://schemas.openxmlformats.org/drawingml/2006/table">
-            <a:tbl>
-              <a:tblPr firstRow="1" bandRow="1">
-                <a:tableStyleId>{5C22544A-7EE6-4342-B048-85BDC9FD1C3A}</a:tableStyleId>
-              </a:tblPr>
-              <a:tblGrid>
-                <a:gridCol w="1738993"/>
-                <a:gridCol w="907301"/>
-                <a:gridCol w="731653"/>
-                <a:gridCol w="931732"/>
-                <a:gridCol w="831692"/>
-                <a:gridCol w="907301"/>
-              </a:tblGrid>
-              <a:tr h="370840">
-                <a:tc>
-                  <a:txBody>
-                    <a:bodyPr/>
-                    <a:lstStyle/>
-                    <a:p>
-                      <a:r>
-                        <a:rPr lang="fr-FR" sz="1600" dirty="0" smtClean="0"/>
-                        <a:t>Vos avis ?</a:t>
-                      </a:r>
-                      <a:endParaRPr lang="fr-FR" sz="1600" dirty="0"/>
-                    </a:p>
-                  </a:txBody>
-                  <a:tcPr/>
-                </a:tc>
-                <a:tc>
-                  <a:txBody>
-                    <a:bodyPr/>
-                    <a:lstStyle/>
-                    <a:p>
-                      <a:pPr algn="ctr"/>
-                      <a:r>
-                        <a:rPr lang="fr-FR" sz="1600" dirty="0" smtClean="0"/>
-                        <a:t>Bernard</a:t>
-                      </a:r>
-                      <a:endParaRPr lang="fr-FR" sz="1600" dirty="0"/>
-                    </a:p>
-                  </a:txBody>
-                  <a:tcPr/>
-                </a:tc>
-                <a:tc>
-                  <a:txBody>
-                    <a:bodyPr/>
-                    <a:lstStyle/>
-                    <a:p>
-                      <a:pPr algn="ctr"/>
-                      <a:r>
-                        <a:rPr lang="fr-FR" sz="1600" dirty="0" smtClean="0"/>
-                        <a:t>Brice</a:t>
-                      </a:r>
-                      <a:endParaRPr lang="fr-FR" sz="1600" dirty="0"/>
-                    </a:p>
-                  </a:txBody>
-                  <a:tcPr/>
-                </a:tc>
-                <a:tc>
-                  <a:txBody>
-                    <a:bodyPr/>
-                    <a:lstStyle/>
-                    <a:p>
-                      <a:pPr algn="ctr"/>
-                      <a:r>
-                        <a:rPr lang="fr-FR" sz="1600" dirty="0" smtClean="0"/>
-                        <a:t>Cédric</a:t>
-                      </a:r>
-                      <a:endParaRPr lang="fr-FR" sz="1600" dirty="0"/>
-                    </a:p>
-                  </a:txBody>
-                  <a:tcPr/>
-                </a:tc>
-                <a:tc>
-                  <a:txBody>
-                    <a:bodyPr/>
-                    <a:lstStyle/>
-                    <a:p>
-                      <a:pPr algn="ctr"/>
-                      <a:r>
-                        <a:rPr lang="fr-FR" sz="1600" dirty="0" smtClean="0"/>
-                        <a:t>Olivier</a:t>
-                      </a:r>
-                      <a:endParaRPr lang="fr-FR" sz="1600" dirty="0"/>
-                    </a:p>
-                  </a:txBody>
-                  <a:tcPr/>
-                </a:tc>
-                <a:tc>
-                  <a:txBody>
-                    <a:bodyPr/>
-                    <a:lstStyle/>
-                    <a:p>
-                      <a:pPr algn="ctr"/>
-                      <a:r>
-                        <a:rPr lang="fr-FR" sz="1600" dirty="0" smtClean="0"/>
-                        <a:t>Thomas</a:t>
-                      </a:r>
-                      <a:endParaRPr lang="fr-FR" sz="1600" dirty="0"/>
-                    </a:p>
-                  </a:txBody>
-                  <a:tcPr/>
-                </a:tc>
-              </a:tr>
-              <a:tr h="370840">
-                <a:tc>
-                  <a:txBody>
-                    <a:bodyPr/>
-                    <a:lstStyle/>
-                    <a:p>
-                      <a:pPr algn="ctr"/>
-                      <a:r>
-                        <a:rPr lang="fr-FR" b="1" dirty="0" smtClean="0"/>
-                        <a:t>Plan A : M-OLAP</a:t>
-                      </a:r>
-                      <a:endParaRPr lang="fr-FR" b="1" dirty="0"/>
-                    </a:p>
-                  </a:txBody>
-                  <a:tcPr/>
-                </a:tc>
-                <a:tc>
-                  <a:txBody>
-                    <a:bodyPr/>
-                    <a:lstStyle/>
-                    <a:p>
-                      <a:pPr algn="ctr"/>
-                      <a:endParaRPr lang="fr-FR" sz="1800" kern="1200" dirty="0">
-                        <a:solidFill>
-                          <a:schemeClr val="dk1"/>
-                        </a:solidFill>
-                        <a:latin typeface="+mn-lt"/>
-                        <a:ea typeface="+mn-ea"/>
-                        <a:cs typeface="+mn-cs"/>
-                      </a:endParaRPr>
-                    </a:p>
-                  </a:txBody>
-                  <a:tcPr/>
-                </a:tc>
-                <a:tc>
-                  <a:txBody>
-                    <a:bodyPr/>
-                    <a:lstStyle/>
-                    <a:p>
-                      <a:pPr algn="ctr"/>
-                      <a:endParaRPr lang="fr-FR" sz="1800" kern="1200" dirty="0">
-                        <a:solidFill>
-                          <a:schemeClr val="dk1"/>
-                        </a:solidFill>
-                        <a:latin typeface="+mn-lt"/>
-                        <a:ea typeface="+mn-ea"/>
-                        <a:cs typeface="+mn-cs"/>
-                      </a:endParaRPr>
-                    </a:p>
-                  </a:txBody>
-                  <a:tcPr/>
-                </a:tc>
-                <a:tc>
-                  <a:txBody>
-                    <a:bodyPr/>
-                    <a:lstStyle/>
-                    <a:p>
-                      <a:pPr algn="ctr"/>
-                      <a:endParaRPr lang="fr-FR" sz="1800" kern="1200" dirty="0">
-                        <a:solidFill>
-                          <a:schemeClr val="dk1"/>
-                        </a:solidFill>
-                        <a:latin typeface="+mn-lt"/>
-                        <a:ea typeface="+mn-ea"/>
-                        <a:cs typeface="+mn-cs"/>
-                      </a:endParaRPr>
-                    </a:p>
-                  </a:txBody>
-                  <a:tcPr/>
-                </a:tc>
-                <a:tc>
-                  <a:txBody>
-                    <a:bodyPr/>
-                    <a:lstStyle/>
-                    <a:p>
-                      <a:pPr algn="ctr"/>
-                      <a:endParaRPr lang="fr-FR" sz="1800" kern="1200" dirty="0">
-                        <a:solidFill>
-                          <a:schemeClr val="dk1"/>
-                        </a:solidFill>
-                        <a:latin typeface="+mn-lt"/>
-                        <a:ea typeface="+mn-ea"/>
-                        <a:cs typeface="+mn-cs"/>
-                      </a:endParaRPr>
-                    </a:p>
-                  </a:txBody>
-                  <a:tcPr/>
-                </a:tc>
-                <a:tc>
-                  <a:txBody>
-                    <a:bodyPr/>
-                    <a:lstStyle/>
-                    <a:p>
-                      <a:pPr algn="ctr"/>
-                      <a:endParaRPr lang="fr-FR" sz="1800" kern="1200" dirty="0">
-                        <a:solidFill>
-                          <a:schemeClr val="dk1"/>
-                        </a:solidFill>
-                        <a:latin typeface="+mn-lt"/>
-                        <a:ea typeface="+mn-ea"/>
-                        <a:cs typeface="+mn-cs"/>
-                      </a:endParaRPr>
-                    </a:p>
-                  </a:txBody>
-                  <a:tcPr/>
-                </a:tc>
-              </a:tr>
-              <a:tr h="370840">
-                <a:tc>
-                  <a:txBody>
-                    <a:bodyPr/>
-                    <a:lstStyle/>
-                    <a:p>
-                      <a:pPr algn="ctr"/>
-                      <a:r>
-                        <a:rPr lang="fr-FR" b="1" dirty="0" smtClean="0"/>
-                        <a:t>Plan</a:t>
-                      </a:r>
-                      <a:r>
-                        <a:rPr lang="fr-FR" b="1" baseline="0" dirty="0" smtClean="0"/>
-                        <a:t> B : Vues</a:t>
-                      </a:r>
-                      <a:endParaRPr lang="fr-FR" b="1" dirty="0" smtClean="0"/>
-                    </a:p>
-                  </a:txBody>
-                  <a:tcPr/>
-                </a:tc>
-                <a:tc>
-                  <a:txBody>
-                    <a:bodyPr/>
-                    <a:lstStyle/>
-                    <a:p>
-                      <a:pPr algn="ctr"/>
-                      <a:endParaRPr lang="fr-FR" dirty="0"/>
-                    </a:p>
-                  </a:txBody>
-                  <a:tcPr/>
-                </a:tc>
-                <a:tc>
-                  <a:txBody>
-                    <a:bodyPr/>
-                    <a:lstStyle/>
-                    <a:p>
-                      <a:pPr algn="ctr"/>
-                      <a:endParaRPr lang="fr-FR" dirty="0"/>
-                    </a:p>
-                  </a:txBody>
-                  <a:tcPr/>
-                </a:tc>
-                <a:tc>
-                  <a:txBody>
-                    <a:bodyPr/>
-                    <a:lstStyle/>
-                    <a:p>
-                      <a:pPr algn="ctr"/>
-                      <a:endParaRPr lang="fr-FR" dirty="0"/>
-                    </a:p>
-                  </a:txBody>
-                  <a:tcPr/>
-                </a:tc>
-                <a:tc>
-                  <a:txBody>
-                    <a:bodyPr/>
-                    <a:lstStyle/>
-                    <a:p>
-                      <a:pPr algn="ctr"/>
-                      <a:r>
-                        <a:rPr lang="fr-FR" dirty="0" smtClean="0"/>
-                        <a:t>Y</a:t>
-                      </a:r>
-                      <a:endParaRPr lang="fr-FR" dirty="0"/>
-                    </a:p>
-                  </a:txBody>
-                  <a:tcPr/>
-                </a:tc>
-                <a:tc>
-                  <a:txBody>
-                    <a:bodyPr/>
-                    <a:lstStyle/>
-                    <a:p>
-                      <a:pPr algn="ctr"/>
-                      <a:endParaRPr lang="fr-FR" dirty="0"/>
-                    </a:p>
-                  </a:txBody>
-                  <a:tcPr/>
-                </a:tc>
-              </a:tr>
-            </a:tbl>
-          </a:graphicData>
-        </a:graphic>
-      </p:graphicFrame>
     </p:spTree>
     <p:extLst>
       <p:ext uri="{BB962C8B-B14F-4D97-AF65-F5344CB8AC3E}">
-        <p14:creationId xmlns:p14="http://schemas.microsoft.com/office/powerpoint/2010/main" xmlns="" val="3386994408"/>
+        <p14:creationId xmlns:p14="http://schemas.microsoft.com/office/powerpoint/2010/main" val="3386994408"/>
       </p:ext>
     </p:extLst>
   </p:cSld>
@@ -9456,16 +9478,44 @@
           <a:chExt cx="0" cy="0"/>
         </a:xfrm>
       </p:grpSpPr>
-      <p:sp>
-        <p:nvSpPr>
-          <p:cNvPr id="4" name="ZoneTexte 3"/>
+      <p:pic>
+        <p:nvPicPr>
+          <p:cNvPr id="9" name="Picture 61"/>
+          <p:cNvPicPr/>
+          <p:nvPr/>
+        </p:nvPicPr>
+        <p:blipFill>
+          <a:blip r:embed="rId3" cstate="print">
+            <a:extLst>
+              <a:ext uri="{28A0092B-C50C-407E-A947-70E740481C1C}">
+                <a14:useLocalDpi xmlns:a14="http://schemas.microsoft.com/office/drawing/2010/main" val="0"/>
+              </a:ext>
+            </a:extLst>
+          </a:blip>
+          <a:stretch>
+            <a:fillRect/>
+          </a:stretch>
+        </p:blipFill>
+        <p:spPr>
+          <a:xfrm>
+            <a:off x="6876257" y="232514"/>
+            <a:ext cx="1978376" cy="892230"/>
+          </a:xfrm>
+          <a:prstGeom prst="rect">
+            <a:avLst/>
+          </a:prstGeom>
+        </p:spPr>
+      </p:pic>
+      <p:sp>
+        <p:nvSpPr>
+          <p:cNvPr id="10" name="ZoneTexte 9"/>
           <p:cNvSpPr txBox="1"/>
           <p:nvPr/>
         </p:nvSpPr>
         <p:spPr>
           <a:xfrm>
-            <a:off x="683568" y="2348880"/>
-            <a:ext cx="7992888" cy="1323439"/>
+            <a:off x="107504" y="107340"/>
+            <a:ext cx="2480872" cy="369332"/>
           </a:xfrm>
           <a:prstGeom prst="rect">
             <a:avLst/>
@@ -9486,69 +9536,363 @@
           </a:fontRef>
         </p:style>
         <p:txBody>
-          <a:bodyPr wrap="square" rtlCol="0">
+          <a:bodyPr wrap="none" rtlCol="0">
             <a:spAutoFit/>
           </a:bodyPr>
           <a:lstStyle/>
           <a:p>
-            <a:pPr algn="ctr"/>
-            <a:r>
-              <a:rPr lang="fr-FR" sz="4000" dirty="0" smtClean="0"/>
-              <a:t>Prochain Skype :</a:t>
-            </a:r>
-          </a:p>
-          <a:p>
-            <a:pPr algn="ctr"/>
-            <a:r>
-              <a:rPr lang="fr-FR" sz="4000" dirty="0" smtClean="0"/>
-              <a:t>Lundi 20/07 21H00 </a:t>
-            </a:r>
-          </a:p>
-        </p:txBody>
-      </p:sp>
-      <p:sp>
-        <p:nvSpPr>
-          <p:cNvPr id="2" name="AutoShape 4"/>
-          <p:cNvSpPr>
-            <a:spLocks noChangeAspect="1" noChangeArrowheads="1"/>
-          </p:cNvSpPr>
+            <a:r>
+              <a:rPr lang="fr-FR" dirty="0" smtClean="0"/>
+              <a:t>Présentation en Octobre</a:t>
+            </a:r>
+            <a:endParaRPr lang="fr-FR" dirty="0"/>
+          </a:p>
+        </p:txBody>
+      </p:sp>
+      <p:graphicFrame>
+        <p:nvGraphicFramePr>
+          <p:cNvPr id="6" name="Tableau 5"/>
+          <p:cNvGraphicFramePr>
+            <a:graphicFrameLocks noGrp="1"/>
+          </p:cNvGraphicFramePr>
+          <p:nvPr>
+            <p:extLst>
+              <p:ext uri="{D42A27DB-BD31-4B8C-83A1-F6EECF244321}">
+                <p14:modId xmlns:p14="http://schemas.microsoft.com/office/powerpoint/2010/main" val="2786804853"/>
+              </p:ext>
+            </p:extLst>
+          </p:nvPr>
+        </p:nvGraphicFramePr>
+        <p:xfrm>
+          <a:off x="1547664" y="2348880"/>
+          <a:ext cx="6326846" cy="741680"/>
+        </p:xfrm>
+        <a:graphic>
+          <a:graphicData uri="http://schemas.openxmlformats.org/drawingml/2006/table">
+            <a:tbl>
+              <a:tblPr firstRow="1" bandRow="1">
+                <a:tableStyleId>{5C22544A-7EE6-4342-B048-85BDC9FD1C3A}</a:tableStyleId>
+              </a:tblPr>
+              <a:tblGrid>
+                <a:gridCol w="1277302"/>
+                <a:gridCol w="1107618"/>
+                <a:gridCol w="832172"/>
+                <a:gridCol w="983476"/>
+                <a:gridCol w="1059128"/>
+                <a:gridCol w="1067150"/>
+              </a:tblGrid>
+              <a:tr h="370840">
+                <a:tc>
+                  <a:txBody>
+                    <a:bodyPr/>
+                    <a:lstStyle/>
+                    <a:p>
+                      <a:r>
+                        <a:rPr lang="fr-FR" sz="1600" dirty="0" smtClean="0"/>
+                        <a:t>Intéressé ?</a:t>
+                      </a:r>
+                      <a:endParaRPr lang="fr-FR" sz="1600" dirty="0"/>
+                    </a:p>
+                  </a:txBody>
+                  <a:tcPr/>
+                </a:tc>
+                <a:tc>
+                  <a:txBody>
+                    <a:bodyPr/>
+                    <a:lstStyle/>
+                    <a:p>
+                      <a:pPr algn="ctr"/>
+                      <a:r>
+                        <a:rPr lang="fr-FR" sz="1600" dirty="0" smtClean="0"/>
+                        <a:t>Cédric</a:t>
+                      </a:r>
+                      <a:endParaRPr lang="fr-FR" sz="1600" dirty="0"/>
+                    </a:p>
+                  </a:txBody>
+                  <a:tcPr/>
+                </a:tc>
+                <a:tc>
+                  <a:txBody>
+                    <a:bodyPr/>
+                    <a:lstStyle/>
+                    <a:p>
+                      <a:pPr algn="ctr"/>
+                      <a:r>
+                        <a:rPr lang="fr-FR" sz="1600" dirty="0" smtClean="0"/>
+                        <a:t>Olivier</a:t>
+                      </a:r>
+                      <a:endParaRPr lang="fr-FR" sz="1600" dirty="0"/>
+                    </a:p>
+                  </a:txBody>
+                  <a:tcPr/>
+                </a:tc>
+                <a:tc>
+                  <a:txBody>
+                    <a:bodyPr/>
+                    <a:lstStyle/>
+                    <a:p>
+                      <a:pPr algn="ctr"/>
+                      <a:r>
+                        <a:rPr lang="fr-FR" sz="1600" dirty="0" smtClean="0"/>
+                        <a:t>Thomas</a:t>
+                      </a:r>
+                      <a:endParaRPr lang="fr-FR" sz="1600" dirty="0"/>
+                    </a:p>
+                  </a:txBody>
+                  <a:tcPr/>
+                </a:tc>
+                <a:tc>
+                  <a:txBody>
+                    <a:bodyPr/>
+                    <a:lstStyle/>
+                    <a:p>
+                      <a:pPr algn="ctr"/>
+                      <a:r>
+                        <a:rPr lang="fr-FR" sz="1600" dirty="0" smtClean="0"/>
+                        <a:t>Brice</a:t>
+                      </a:r>
+                      <a:endParaRPr lang="fr-FR" sz="1600" dirty="0"/>
+                    </a:p>
+                  </a:txBody>
+                  <a:tcPr/>
+                </a:tc>
+                <a:tc>
+                  <a:txBody>
+                    <a:bodyPr/>
+                    <a:lstStyle/>
+                    <a:p>
+                      <a:pPr algn="ctr"/>
+                      <a:r>
+                        <a:rPr lang="fr-FR" sz="1600" dirty="0" smtClean="0"/>
+                        <a:t>Bernard</a:t>
+                      </a:r>
+                      <a:endParaRPr lang="fr-FR" sz="1600" dirty="0"/>
+                    </a:p>
+                  </a:txBody>
+                  <a:tcPr/>
+                </a:tc>
+              </a:tr>
+              <a:tr h="370840">
+                <a:tc>
+                  <a:txBody>
+                    <a:bodyPr/>
+                    <a:lstStyle/>
+                    <a:p>
+                      <a:pPr algn="ctr"/>
+                      <a:endParaRPr lang="fr-FR" b="1" dirty="0"/>
+                    </a:p>
+                  </a:txBody>
+                  <a:tcPr/>
+                </a:tc>
+                <a:tc>
+                  <a:txBody>
+                    <a:bodyPr/>
+                    <a:lstStyle/>
+                    <a:p>
+                      <a:pPr algn="ctr"/>
+                      <a:r>
+                        <a:rPr lang="fr-FR" sz="1800" kern="1200" dirty="0" smtClean="0">
+                          <a:solidFill>
+                            <a:schemeClr val="dk1"/>
+                          </a:solidFill>
+                          <a:latin typeface="+mn-lt"/>
+                          <a:ea typeface="+mn-ea"/>
+                          <a:cs typeface="+mn-cs"/>
+                        </a:rPr>
+                        <a:t>Y / N</a:t>
+                      </a:r>
+                      <a:endParaRPr lang="fr-FR" sz="1800" kern="1200" dirty="0">
+                        <a:solidFill>
+                          <a:schemeClr val="dk1"/>
+                        </a:solidFill>
+                        <a:latin typeface="+mn-lt"/>
+                        <a:ea typeface="+mn-ea"/>
+                        <a:cs typeface="+mn-cs"/>
+                      </a:endParaRPr>
+                    </a:p>
+                  </a:txBody>
+                  <a:tcPr/>
+                </a:tc>
+                <a:tc>
+                  <a:txBody>
+                    <a:bodyPr/>
+                    <a:lstStyle/>
+                    <a:p>
+                      <a:pPr algn="ctr"/>
+                      <a:r>
+                        <a:rPr lang="fr-FR" sz="1800" kern="1200" dirty="0" smtClean="0">
+                          <a:solidFill>
+                            <a:schemeClr val="dk1"/>
+                          </a:solidFill>
+                          <a:latin typeface="+mn-lt"/>
+                          <a:ea typeface="+mn-ea"/>
+                          <a:cs typeface="+mn-cs"/>
+                        </a:rPr>
+                        <a:t>Y</a:t>
+                      </a:r>
+                      <a:endParaRPr lang="fr-FR" sz="1800" kern="1200" dirty="0">
+                        <a:solidFill>
+                          <a:schemeClr val="dk1"/>
+                        </a:solidFill>
+                        <a:latin typeface="+mn-lt"/>
+                        <a:ea typeface="+mn-ea"/>
+                        <a:cs typeface="+mn-cs"/>
+                      </a:endParaRPr>
+                    </a:p>
+                  </a:txBody>
+                  <a:tcPr/>
+                </a:tc>
+                <a:tc>
+                  <a:txBody>
+                    <a:bodyPr/>
+                    <a:lstStyle/>
+                    <a:p>
+                      <a:pPr algn="ctr"/>
+                      <a:r>
+                        <a:rPr lang="fr-FR" sz="1800" kern="1200" dirty="0" smtClean="0">
+                          <a:solidFill>
+                            <a:schemeClr val="dk1"/>
+                          </a:solidFill>
+                          <a:latin typeface="+mn-lt"/>
+                          <a:ea typeface="+mn-ea"/>
+                          <a:cs typeface="+mn-cs"/>
+                        </a:rPr>
+                        <a:t>Y</a:t>
+                      </a:r>
+                      <a:endParaRPr lang="fr-FR" sz="1800" kern="1200" dirty="0">
+                        <a:solidFill>
+                          <a:schemeClr val="dk1"/>
+                        </a:solidFill>
+                        <a:latin typeface="+mn-lt"/>
+                        <a:ea typeface="+mn-ea"/>
+                        <a:cs typeface="+mn-cs"/>
+                      </a:endParaRPr>
+                    </a:p>
+                  </a:txBody>
+                  <a:tcPr>
+                    <a:solidFill>
+                      <a:srgbClr val="D0D8E8"/>
+                    </a:solidFill>
+                  </a:tcPr>
+                </a:tc>
+                <a:tc>
+                  <a:txBody>
+                    <a:bodyPr/>
+                    <a:lstStyle/>
+                    <a:p>
+                      <a:pPr algn="ctr"/>
+                      <a:r>
+                        <a:rPr lang="fr-FR" sz="1800" kern="1200" dirty="0" smtClean="0">
+                          <a:solidFill>
+                            <a:schemeClr val="dk1"/>
+                          </a:solidFill>
+                          <a:latin typeface="+mn-lt"/>
+                          <a:ea typeface="+mn-ea"/>
+                          <a:cs typeface="+mn-cs"/>
+                        </a:rPr>
+                        <a:t>Y</a:t>
+                      </a:r>
+                      <a:endParaRPr lang="fr-FR" sz="1800" kern="1200" dirty="0">
+                        <a:solidFill>
+                          <a:schemeClr val="dk1"/>
+                        </a:solidFill>
+                        <a:latin typeface="+mn-lt"/>
+                        <a:ea typeface="+mn-ea"/>
+                        <a:cs typeface="+mn-cs"/>
+                      </a:endParaRPr>
+                    </a:p>
+                  </a:txBody>
+                  <a:tcPr/>
+                </a:tc>
+                <a:tc>
+                  <a:txBody>
+                    <a:bodyPr/>
+                    <a:lstStyle/>
+                    <a:p>
+                      <a:pPr algn="ctr"/>
+                      <a:r>
+                        <a:rPr lang="fr-FR" sz="1800" kern="1200" dirty="0" smtClean="0">
+                          <a:solidFill>
+                            <a:schemeClr val="dk1"/>
+                          </a:solidFill>
+                          <a:latin typeface="+mn-lt"/>
+                          <a:ea typeface="+mn-ea"/>
+                          <a:cs typeface="+mn-cs"/>
+                        </a:rPr>
+                        <a:t>Y</a:t>
+                      </a:r>
+                      <a:endParaRPr lang="fr-FR" sz="1800" kern="1200" dirty="0">
+                        <a:solidFill>
+                          <a:schemeClr val="dk1"/>
+                        </a:solidFill>
+                        <a:latin typeface="+mn-lt"/>
+                        <a:ea typeface="+mn-ea"/>
+                        <a:cs typeface="+mn-cs"/>
+                      </a:endParaRPr>
+                    </a:p>
+                  </a:txBody>
+                  <a:tcPr/>
+                </a:tc>
+              </a:tr>
+            </a:tbl>
+          </a:graphicData>
+        </a:graphic>
+      </p:graphicFrame>
+      <p:sp>
+        <p:nvSpPr>
+          <p:cNvPr id="8" name="Rectangle 7"/>
+          <p:cNvSpPr/>
           <p:nvPr/>
         </p:nvSpPr>
-        <p:spPr bwMode="auto">
+        <p:spPr>
           <a:xfrm>
-            <a:off x="63500" y="-136525"/>
-            <a:ext cx="2143125" cy="2143125"/>
+            <a:off x="2195736" y="3861048"/>
+            <a:ext cx="5040560" cy="1477328"/>
           </a:xfrm>
           <a:prstGeom prst="rect">
             <a:avLst/>
           </a:prstGeom>
-          <a:noFill/>
-          <a:extLst>
-            <a:ext uri="{909E8E84-426E-40DD-AFC4-6F175D3DCCD1}">
-              <a14:hiddenFill xmlns:a14="http://schemas.microsoft.com/office/drawing/2010/main" xmlns="">
-                <a:solidFill>
-                  <a:srgbClr val="FFFFFF"/>
-                </a:solidFill>
-              </a14:hiddenFill>
-            </a:ext>
-          </a:extLst>
         </p:spPr>
         <p:txBody>
-          <a:bodyPr vert="horz" wrap="square" lIns="91440" tIns="45720" rIns="91440" bIns="45720" numCol="1" anchor="t" anchorCtr="0" compatLnSpc="1">
-            <a:prstTxWarp prst="textNoShape">
-              <a:avLst/>
-            </a:prstTxWarp>
+          <a:bodyPr wrap="square">
+            <a:spAutoFit/>
           </a:bodyPr>
           <a:lstStyle/>
           <a:p>
-            <a:endParaRPr lang="fr-FR"/>
+            <a:r>
+              <a:rPr lang="fr-FR" b="1" dirty="0" smtClean="0"/>
+              <a:t>Olivier : </a:t>
+            </a:r>
+            <a:r>
+              <a:rPr lang="fr-FR" dirty="0" smtClean="0"/>
+              <a:t>Voir avec Henry NICOLAS pour planifier, avec VISION-CONF pour Bernard (Vérifier</a:t>
+            </a:r>
+            <a:r>
+              <a:rPr lang="fr-FR" dirty="0" smtClean="0"/>
+              <a:t> Internet OK, sinon 3 / 4G)</a:t>
+            </a:r>
+            <a:endParaRPr lang="fr-FR" dirty="0" smtClean="0"/>
+          </a:p>
+          <a:p>
+            <a:endParaRPr lang="fr-FR" dirty="0" smtClean="0"/>
+          </a:p>
+          <a:p>
+            <a:r>
+              <a:rPr lang="fr-FR" b="1" dirty="0" smtClean="0"/>
+              <a:t>Thomas</a:t>
+            </a:r>
+            <a:r>
+              <a:rPr lang="fr-FR" dirty="0" smtClean="0"/>
+              <a:t> : Relancer M. MAABOUT </a:t>
+            </a:r>
+            <a:endParaRPr lang="fr-FR" dirty="0" smtClean="0"/>
           </a:p>
         </p:txBody>
       </p:sp>
     </p:spTree>
     <p:extLst>
       <p:ext uri="{BB962C8B-B14F-4D97-AF65-F5344CB8AC3E}">
-        <p14:creationId xmlns:p14="http://schemas.microsoft.com/office/powerpoint/2010/main" xmlns="" val="4022729328"/>
+        <p14:creationId xmlns:p14="http://schemas.microsoft.com/office/powerpoint/2010/main" val="593714746"/>
       </p:ext>
     </p:extLst>
   </p:cSld>
